--- a/4주차/Camera Response and HDR Imaging  Image Sensing & Nature eyes(이민한)-24.09.10.pptx
+++ b/4주차/Camera Response and HDR Imaging  Image Sensing & Nature eyes(이민한)-24.09.10.pptx
@@ -9430,8 +9430,8 @@
         </p:blipFill>
         <p:spPr>
           <a:xfrm>
-            <a:off x="3724275" y="1666875"/>
-            <a:ext cx="4743450" cy="3524250"/>
+            <a:off x="2604473" y="834893"/>
+            <a:ext cx="6983054" cy="5188213"/>
           </a:xfrm>
           <a:prstGeom prst="rect">
             <a:avLst/>
